--- a/docs/02-android-stack.pptx
+++ b/docs/02-android-stack.pptx
@@ -291,7 +291,7 @@
           <a:p>
             <a:fld id="{D145107B-484A-403F-80AA-E4D9F6831564}" type="datetimeFigureOut">
               <a:rPr lang="en-US" smtClean="0"/>
-              <a:t>2/22/2012</a:t>
+              <a:t>7/9/12</a:t>
             </a:fld>
             <a:endParaRPr lang="en-US"/>
           </a:p>
@@ -4383,7 +4383,7 @@
             <a:fld id="{1D8BD707-D9CF-40AE-B4C6-C98DA3205C09}" type="datetimeFigureOut">
               <a:rPr lang="en-US" smtClean="0"/>
               <a:pPr/>
-              <a:t>2/22/2012</a:t>
+              <a:t>7/9/12</a:t>
             </a:fld>
             <a:endParaRPr lang="en-US"/>
           </a:p>
@@ -4550,7 +4550,7 @@
             <a:fld id="{1D8BD707-D9CF-40AE-B4C6-C98DA3205C09}" type="datetimeFigureOut">
               <a:rPr lang="en-US" smtClean="0"/>
               <a:pPr/>
-              <a:t>2/22/2012</a:t>
+              <a:t>7/9/12</a:t>
             </a:fld>
             <a:endParaRPr lang="en-US"/>
           </a:p>
@@ -4727,7 +4727,7 @@
             <a:fld id="{1D8BD707-D9CF-40AE-B4C6-C98DA3205C09}" type="datetimeFigureOut">
               <a:rPr lang="en-US" smtClean="0"/>
               <a:pPr/>
-              <a:t>2/22/2012</a:t>
+              <a:t>7/9/12</a:t>
             </a:fld>
             <a:endParaRPr lang="en-US"/>
           </a:p>
@@ -4894,7 +4894,7 @@
             <a:fld id="{1D8BD707-D9CF-40AE-B4C6-C98DA3205C09}" type="datetimeFigureOut">
               <a:rPr lang="en-US" smtClean="0"/>
               <a:pPr/>
-              <a:t>2/22/2012</a:t>
+              <a:t>7/9/12</a:t>
             </a:fld>
             <a:endParaRPr lang="en-US"/>
           </a:p>
@@ -5137,7 +5137,7 @@
             <a:fld id="{1D8BD707-D9CF-40AE-B4C6-C98DA3205C09}" type="datetimeFigureOut">
               <a:rPr lang="en-US" smtClean="0"/>
               <a:pPr/>
-              <a:t>2/22/2012</a:t>
+              <a:t>7/9/12</a:t>
             </a:fld>
             <a:endParaRPr lang="en-US"/>
           </a:p>
@@ -5422,7 +5422,7 @@
             <a:fld id="{1D8BD707-D9CF-40AE-B4C6-C98DA3205C09}" type="datetimeFigureOut">
               <a:rPr lang="en-US" smtClean="0"/>
               <a:pPr/>
-              <a:t>2/22/2012</a:t>
+              <a:t>7/9/12</a:t>
             </a:fld>
             <a:endParaRPr lang="en-US"/>
           </a:p>
@@ -5841,7 +5841,7 @@
             <a:fld id="{1D8BD707-D9CF-40AE-B4C6-C98DA3205C09}" type="datetimeFigureOut">
               <a:rPr lang="en-US" smtClean="0"/>
               <a:pPr/>
-              <a:t>2/22/2012</a:t>
+              <a:t>7/9/12</a:t>
             </a:fld>
             <a:endParaRPr lang="en-US"/>
           </a:p>
@@ -5956,7 +5956,7 @@
             <a:fld id="{1D8BD707-D9CF-40AE-B4C6-C98DA3205C09}" type="datetimeFigureOut">
               <a:rPr lang="en-US" smtClean="0"/>
               <a:pPr/>
-              <a:t>2/22/2012</a:t>
+              <a:t>7/9/12</a:t>
             </a:fld>
             <a:endParaRPr lang="en-US"/>
           </a:p>
@@ -6048,7 +6048,7 @@
             <a:fld id="{1D8BD707-D9CF-40AE-B4C6-C98DA3205C09}" type="datetimeFigureOut">
               <a:rPr lang="en-US" smtClean="0"/>
               <a:pPr/>
-              <a:t>2/22/2012</a:t>
+              <a:t>7/9/12</a:t>
             </a:fld>
             <a:endParaRPr lang="en-US"/>
           </a:p>
@@ -6322,7 +6322,7 @@
             <a:fld id="{1D8BD707-D9CF-40AE-B4C6-C98DA3205C09}" type="datetimeFigureOut">
               <a:rPr lang="en-US" smtClean="0"/>
               <a:pPr/>
-              <a:t>2/22/2012</a:t>
+              <a:t>7/9/12</a:t>
             </a:fld>
             <a:endParaRPr lang="en-US"/>
           </a:p>
@@ -6572,7 +6572,7 @@
             <a:fld id="{1D8BD707-D9CF-40AE-B4C6-C98DA3205C09}" type="datetimeFigureOut">
               <a:rPr lang="en-US" smtClean="0"/>
               <a:pPr/>
-              <a:t>2/22/2012</a:t>
+              <a:t>7/9/12</a:t>
             </a:fld>
             <a:endParaRPr lang="en-US"/>
           </a:p>
@@ -6782,7 +6782,7 @@
             <a:fld id="{1D8BD707-D9CF-40AE-B4C6-C98DA3205C09}" type="datetimeFigureOut">
               <a:rPr lang="en-US" smtClean="0"/>
               <a:pPr/>
-              <a:t>2/22/2012</a:t>
+              <a:t>7/9/12</a:t>
             </a:fld>
             <a:endParaRPr lang="en-US"/>
           </a:p>
@@ -7217,7 +7217,7 @@
   <p:timing>
     <p:tnLst>
       <p:par>
-        <p:cTn id="1" dur="indefinite" restart="never" nodeType="tmRoot"/>
+        <p:cTn xmlns:p14="http://schemas.microsoft.com/office/powerpoint/2010/main" id="1" dur="indefinite" restart="never" nodeType="tmRoot"/>
       </p:par>
     </p:tnLst>
   </p:timing>
@@ -7443,7 +7443,7 @@
   <p:timing>
     <p:tnLst>
       <p:par>
-        <p:cTn id="1" dur="indefinite" restart="never" nodeType="tmRoot"/>
+        <p:cTn xmlns:p14="http://schemas.microsoft.com/office/powerpoint/2010/main" id="1" dur="indefinite" restart="never" nodeType="tmRoot"/>
       </p:par>
     </p:tnLst>
   </p:timing>
@@ -7555,7 +7555,7 @@
   <p:timing>
     <p:tnLst>
       <p:par>
-        <p:cTn id="1" dur="indefinite" restart="never" nodeType="tmRoot"/>
+        <p:cTn xmlns:p14="http://schemas.microsoft.com/office/powerpoint/2010/main" id="1" dur="indefinite" restart="never" nodeType="tmRoot"/>
       </p:par>
     </p:tnLst>
   </p:timing>
@@ -7631,12 +7631,22 @@
           <a:lstStyle/>
           <a:p>
             <a:r>
-              <a:rPr lang="en-US" sz="2800" dirty="0" smtClean="0">
-                <a:hlinkClick r:id="rId3"/>
-              </a:rPr>
-              <a:t>http://source.android.com/source/downloading.html</a:t>
-            </a:r>
-            <a:endParaRPr lang="en-US" sz="2800" dirty="0" smtClean="0"/>
+              <a:rPr lang="en-US" sz="2400" dirty="0"/>
+              <a:t>http://</a:t>
+            </a:r>
+            <a:r>
+              <a:rPr lang="en-US" sz="2400" dirty="0" err="1"/>
+              <a:t>source.android.com</a:t>
+            </a:r>
+            <a:r>
+              <a:rPr lang="en-US" sz="2400" dirty="0"/>
+              <a:t>/source/building-</a:t>
+            </a:r>
+            <a:r>
+              <a:rPr lang="en-US" sz="2400" dirty="0" err="1"/>
+              <a:t>kernels.html</a:t>
+            </a:r>
+            <a:endParaRPr lang="en-US" sz="2400" dirty="0" smtClean="0"/>
           </a:p>
         </p:txBody>
       </p:sp>
@@ -8026,7 +8036,7 @@
   <p:timing>
     <p:tnLst>
       <p:par>
-        <p:cTn id="1" dur="indefinite" restart="never" nodeType="tmRoot"/>
+        <p:cTn xmlns:p14="http://schemas.microsoft.com/office/powerpoint/2010/main" id="1" dur="indefinite" restart="never" nodeType="tmRoot"/>
       </p:par>
     </p:tnLst>
   </p:timing>
@@ -8246,7 +8256,7 @@
   <p:timing>
     <p:tnLst>
       <p:par>
-        <p:cTn id="1" dur="indefinite" restart="never" nodeType="tmRoot"/>
+        <p:cTn xmlns:p14="http://schemas.microsoft.com/office/powerpoint/2010/main" id="1" dur="indefinite" restart="never" nodeType="tmRoot"/>
       </p:par>
     </p:tnLst>
   </p:timing>
@@ -8382,7 +8392,7 @@
   <p:timing>
     <p:tnLst>
       <p:par>
-        <p:cTn id="1" dur="indefinite" restart="never" nodeType="tmRoot"/>
+        <p:cTn xmlns:p14="http://schemas.microsoft.com/office/powerpoint/2010/main" id="1" dur="indefinite" restart="never" nodeType="tmRoot"/>
       </p:par>
     </p:tnLst>
   </p:timing>
@@ -8631,7 +8641,7 @@
   <p:timing>
     <p:tnLst>
       <p:par>
-        <p:cTn id="1" dur="indefinite" restart="never" nodeType="tmRoot"/>
+        <p:cTn xmlns:p14="http://schemas.microsoft.com/office/powerpoint/2010/main" id="1" dur="indefinite" restart="never" nodeType="tmRoot"/>
       </p:par>
     </p:tnLst>
   </p:timing>
@@ -8830,7 +8840,7 @@
   <p:timing>
     <p:tnLst>
       <p:par>
-        <p:cTn id="1" dur="indefinite" restart="never" nodeType="tmRoot"/>
+        <p:cTn xmlns:p14="http://schemas.microsoft.com/office/powerpoint/2010/main" id="1" dur="indefinite" restart="never" nodeType="tmRoot"/>
       </p:par>
     </p:tnLst>
   </p:timing>
@@ -9009,7 +9019,7 @@
   <p:timing>
     <p:tnLst>
       <p:par>
-        <p:cTn id="1" dur="indefinite" restart="never" nodeType="tmRoot"/>
+        <p:cTn xmlns:p14="http://schemas.microsoft.com/office/powerpoint/2010/main" id="1" dur="indefinite" restart="never" nodeType="tmRoot"/>
       </p:par>
     </p:tnLst>
   </p:timing>
@@ -9155,7 +9165,7 @@
   <p:timing>
     <p:tnLst>
       <p:par>
-        <p:cTn id="1" dur="indefinite" restart="never" nodeType="tmRoot"/>
+        <p:cTn xmlns:p14="http://schemas.microsoft.com/office/powerpoint/2010/main" id="1" dur="indefinite" restart="never" nodeType="tmRoot"/>
       </p:par>
     </p:tnLst>
   </p:timing>
@@ -9644,7 +9654,7 @@
   <p:timing>
     <p:tnLst>
       <p:par>
-        <p:cTn id="1" dur="indefinite" restart="never" nodeType="tmRoot"/>
+        <p:cTn xmlns:p14="http://schemas.microsoft.com/office/powerpoint/2010/main" id="1" dur="indefinite" restart="never" nodeType="tmRoot"/>
       </p:par>
     </p:tnLst>
   </p:timing>
@@ -9776,14 +9786,14 @@
           </a:ln>
           <a:effectLst/>
           <a:extLst>
-            <a:ext uri="{909E8E84-426E-40DD-AFC4-6F175D3DCCD1}">
+            <a:ext uri="{909E8E84-426E-40dd-AFC4-6F175D3DCCD1}">
               <a14:hiddenFill xmlns:a14="http://schemas.microsoft.com/office/drawing/2010/main">
                 <a:solidFill>
                   <a:schemeClr val="accent1"/>
                 </a:solidFill>
               </a14:hiddenFill>
             </a:ext>
-            <a:ext uri="{91240B29-F687-4F45-9708-019B960494DF}">
+            <a:ext uri="{91240B29-F687-4f45-9708-019B960494DF}">
               <a14:hiddenLine xmlns:a14="http://schemas.microsoft.com/office/drawing/2010/main" w="9525">
                 <a:solidFill>
                   <a:schemeClr val="tx1"/>
@@ -9793,7 +9803,7 @@
                 <a:tailEnd/>
               </a14:hiddenLine>
             </a:ext>
-            <a:ext uri="{AF507438-7753-43E0-B8FC-AC1667EBCBE1}">
+            <a:ext uri="{AF507438-7753-43e0-B8FC-AC1667EBCBE1}">
               <a14:hiddenEffects xmlns:a14="http://schemas.microsoft.com/office/drawing/2010/main">
                 <a:effectLst>
                   <a:outerShdw dist="35921" dir="2700000" algn="ctr" rotWithShape="0">
@@ -9818,7 +9828,7 @@
   <p:timing>
     <p:tnLst>
       <p:par>
-        <p:cTn id="1" dur="indefinite" restart="never" nodeType="tmRoot"/>
+        <p:cTn xmlns:p14="http://schemas.microsoft.com/office/powerpoint/2010/main" id="1" dur="indefinite" restart="never" nodeType="tmRoot"/>
       </p:par>
     </p:tnLst>
   </p:timing>
@@ -9904,14 +9914,14 @@
           </a:ln>
           <a:effectLst/>
           <a:extLst>
-            <a:ext uri="{909E8E84-426E-40DD-AFC4-6F175D3DCCD1}">
+            <a:ext uri="{909E8E84-426E-40dd-AFC4-6F175D3DCCD1}">
               <a14:hiddenFill xmlns:a14="http://schemas.microsoft.com/office/drawing/2010/main">
                 <a:solidFill>
                   <a:schemeClr val="accent1"/>
                 </a:solidFill>
               </a14:hiddenFill>
             </a:ext>
-            <a:ext uri="{91240B29-F687-4F45-9708-019B960494DF}">
+            <a:ext uri="{91240B29-F687-4f45-9708-019B960494DF}">
               <a14:hiddenLine xmlns:a14="http://schemas.microsoft.com/office/drawing/2010/main" w="9525">
                 <a:solidFill>
                   <a:schemeClr val="tx1"/>
@@ -9921,7 +9931,7 @@
                 <a:tailEnd/>
               </a14:hiddenLine>
             </a:ext>
-            <a:ext uri="{AF507438-7753-43E0-B8FC-AC1667EBCBE1}">
+            <a:ext uri="{AF507438-7753-43e0-B8FC-AC1667EBCBE1}">
               <a14:hiddenEffects xmlns:a14="http://schemas.microsoft.com/office/drawing/2010/main">
                 <a:effectLst>
                   <a:outerShdw dist="35921" dir="2700000" algn="ctr" rotWithShape="0">
@@ -9966,7 +9976,7 @@
           </a:prstGeom>
           <a:noFill/>
           <a:extLst>
-            <a:ext uri="{909E8E84-426E-40DD-AFC4-6F175D3DCCD1}">
+            <a:ext uri="{909E8E84-426E-40dd-AFC4-6F175D3DCCD1}">
               <a14:hiddenFill xmlns:a14="http://schemas.microsoft.com/office/drawing/2010/main">
                 <a:solidFill>
                   <a:srgbClr val="FFFFFF"/>
@@ -9989,7 +9999,7 @@
   <p:timing>
     <p:tnLst>
       <p:par>
-        <p:cTn id="1" dur="indefinite" restart="never" nodeType="tmRoot"/>
+        <p:cTn xmlns:p14="http://schemas.microsoft.com/office/powerpoint/2010/main" id="1" dur="indefinite" restart="never" nodeType="tmRoot"/>
       </p:par>
     </p:tnLst>
   </p:timing>
@@ -10207,7 +10217,7 @@
   <p:timing>
     <p:tnLst>
       <p:par>
-        <p:cTn id="1" dur="indefinite" restart="never" nodeType="tmRoot"/>
+        <p:cTn xmlns:p14="http://schemas.microsoft.com/office/powerpoint/2010/main" id="1" dur="indefinite" restart="never" nodeType="tmRoot"/>
       </p:par>
     </p:tnLst>
   </p:timing>
@@ -10398,7 +10408,7 @@
   <p:timing>
     <p:tnLst>
       <p:par>
-        <p:cTn id="1" dur="indefinite" restart="never" nodeType="tmRoot"/>
+        <p:cTn xmlns:p14="http://schemas.microsoft.com/office/powerpoint/2010/main" id="1" dur="indefinite" restart="never" nodeType="tmRoot"/>
       </p:par>
     </p:tnLst>
   </p:timing>
@@ -10616,7 +10626,7 @@
   <p:timing>
     <p:tnLst>
       <p:par>
-        <p:cTn id="1" dur="indefinite" restart="never" nodeType="tmRoot"/>
+        <p:cTn xmlns:p14="http://schemas.microsoft.com/office/powerpoint/2010/main" id="1" dur="indefinite" restart="never" nodeType="tmRoot"/>
       </p:par>
     </p:tnLst>
   </p:timing>
@@ -10861,7 +10871,7 @@
   <p:timing>
     <p:tnLst>
       <p:par>
-        <p:cTn id="1" dur="indefinite" restart="never" nodeType="tmRoot"/>
+        <p:cTn xmlns:p14="http://schemas.microsoft.com/office/powerpoint/2010/main" id="1" dur="indefinite" restart="never" nodeType="tmRoot"/>
       </p:par>
     </p:tnLst>
   </p:timing>
@@ -11411,7 +11421,7 @@
   <p:timing>
     <p:tnLst>
       <p:par>
-        <p:cTn id="1" dur="indefinite" restart="never" nodeType="tmRoot"/>
+        <p:cTn xmlns:p14="http://schemas.microsoft.com/office/powerpoint/2010/main" id="1" dur="indefinite" restart="never" nodeType="tmRoot"/>
       </p:par>
     </p:tnLst>
   </p:timing>
@@ -11996,7 +12006,7 @@
   <p:timing>
     <p:tnLst>
       <p:par>
-        <p:cTn id="1" dur="indefinite" restart="never" nodeType="tmRoot"/>
+        <p:cTn xmlns:p14="http://schemas.microsoft.com/office/powerpoint/2010/main" id="1" dur="indefinite" restart="never" nodeType="tmRoot"/>
       </p:par>
     </p:tnLst>
   </p:timing>
@@ -12249,7 +12259,7 @@
   <p:timing>
     <p:tnLst>
       <p:par>
-        <p:cTn id="1" dur="indefinite" restart="never" nodeType="tmRoot"/>
+        <p:cTn xmlns:p14="http://schemas.microsoft.com/office/powerpoint/2010/main" id="1" dur="indefinite" restart="never" nodeType="tmRoot"/>
       </p:par>
     </p:tnLst>
   </p:timing>
@@ -12382,7 +12392,7 @@
   <p:timing>
     <p:tnLst>
       <p:par>
-        <p:cTn id="1" dur="indefinite" restart="never" nodeType="tmRoot"/>
+        <p:cTn xmlns:p14="http://schemas.microsoft.com/office/powerpoint/2010/main" id="1" dur="indefinite" restart="never" nodeType="tmRoot"/>
       </p:par>
     </p:tnLst>
   </p:timing>
@@ -14327,7 +14337,7 @@
   <p:timing>
     <p:tnLst>
       <p:par>
-        <p:cTn id="1" dur="indefinite" restart="never" nodeType="tmRoot"/>
+        <p:cTn xmlns:p14="http://schemas.microsoft.com/office/powerpoint/2010/main" id="1" dur="indefinite" restart="never" nodeType="tmRoot"/>
       </p:par>
     </p:tnLst>
   </p:timing>
@@ -14872,7 +14882,7 @@
   <p:timing>
     <p:tnLst>
       <p:par>
-        <p:cTn id="1" dur="indefinite" restart="never" nodeType="tmRoot"/>
+        <p:cTn xmlns:p14="http://schemas.microsoft.com/office/powerpoint/2010/main" id="1" dur="indefinite" restart="never" nodeType="tmRoot"/>
       </p:par>
     </p:tnLst>
   </p:timing>
@@ -14951,7 +14961,7 @@
   <p:timing>
     <p:tnLst>
       <p:par>
-        <p:cTn id="1" dur="indefinite" restart="never" nodeType="tmRoot"/>
+        <p:cTn xmlns:p14="http://schemas.microsoft.com/office/powerpoint/2010/main" id="1" dur="indefinite" restart="never" nodeType="tmRoot"/>
       </p:par>
     </p:tnLst>
   </p:timing>
@@ -15050,7 +15060,7 @@
           </a:prstGeom>
           <a:noFill/>
           <a:extLst>
-            <a:ext uri="{909E8E84-426E-40DD-AFC4-6F175D3DCCD1}">
+            <a:ext uri="{909E8E84-426E-40dd-AFC4-6F175D3DCCD1}">
               <a14:hiddenFill xmlns:a14="http://schemas.microsoft.com/office/drawing/2010/main">
                 <a:solidFill>
                   <a:srgbClr val="FFFFFF"/>
@@ -15073,7 +15083,7 @@
   <p:timing>
     <p:tnLst>
       <p:par>
-        <p:cTn id="1" dur="indefinite" restart="never" nodeType="tmRoot"/>
+        <p:cTn xmlns:p14="http://schemas.microsoft.com/office/powerpoint/2010/main" id="1" dur="indefinite" restart="never" nodeType="tmRoot"/>
       </p:par>
     </p:tnLst>
   </p:timing>
@@ -15281,7 +15291,7 @@
   <p:timing>
     <p:tnLst>
       <p:par>
-        <p:cTn id="1" dur="indefinite" restart="never" nodeType="tmRoot"/>
+        <p:cTn xmlns:p14="http://schemas.microsoft.com/office/powerpoint/2010/main" id="1" dur="indefinite" restart="never" nodeType="tmRoot"/>
       </p:par>
     </p:tnLst>
   </p:timing>
@@ -15547,7 +15557,7 @@
   <p:timing>
     <p:tnLst>
       <p:par>
-        <p:cTn id="1" dur="indefinite" restart="never" nodeType="tmRoot"/>
+        <p:cTn xmlns:p14="http://schemas.microsoft.com/office/powerpoint/2010/main" id="1" dur="indefinite" restart="never" nodeType="tmRoot"/>
       </p:par>
     </p:tnLst>
   </p:timing>
@@ -15731,7 +15741,7 @@
   <p:timing>
     <p:tnLst>
       <p:par>
-        <p:cTn id="1" dur="indefinite" restart="never" nodeType="tmRoot"/>
+        <p:cTn xmlns:p14="http://schemas.microsoft.com/office/powerpoint/2010/main" id="1" dur="indefinite" restart="never" nodeType="tmRoot"/>
       </p:par>
     </p:tnLst>
   </p:timing>
@@ -16044,7 +16054,7 @@
   <p:timing>
     <p:tnLst>
       <p:par>
-        <p:cTn id="1" dur="indefinite" restart="never" nodeType="tmRoot"/>
+        <p:cTn xmlns:p14="http://schemas.microsoft.com/office/powerpoint/2010/main" id="1" dur="indefinite" restart="never" nodeType="tmRoot"/>
       </p:par>
     </p:tnLst>
   </p:timing>
@@ -16334,7 +16344,7 @@
   <p:timing>
     <p:tnLst>
       <p:par>
-        <p:cTn id="1" dur="indefinite" restart="never" nodeType="tmRoot"/>
+        <p:cTn xmlns:p14="http://schemas.microsoft.com/office/powerpoint/2010/main" id="1" dur="indefinite" restart="never" nodeType="tmRoot"/>
       </p:par>
     </p:tnLst>
   </p:timing>
@@ -16544,7 +16554,7 @@
   <p:timing>
     <p:tnLst>
       <p:par>
-        <p:cTn id="1" dur="indefinite" restart="never" nodeType="tmRoot"/>
+        <p:cTn xmlns:p14="http://schemas.microsoft.com/office/powerpoint/2010/main" id="1" dur="indefinite" restart="never" nodeType="tmRoot"/>
       </p:par>
     </p:tnLst>
   </p:timing>
@@ -17083,7 +17093,7 @@
   <p:timing>
     <p:tnLst>
       <p:par>
-        <p:cTn id="1" dur="indefinite" restart="never" nodeType="tmRoot"/>
+        <p:cTn xmlns:p14="http://schemas.microsoft.com/office/powerpoint/2010/main" id="1" dur="indefinite" restart="never" nodeType="tmRoot"/>
       </p:par>
     </p:tnLst>
   </p:timing>
@@ -17166,7 +17176,7 @@
   <p:timing>
     <p:tnLst>
       <p:par>
-        <p:cTn id="1" dur="indefinite" restart="never" nodeType="tmRoot"/>
+        <p:cTn xmlns:p14="http://schemas.microsoft.com/office/powerpoint/2010/main" id="1" dur="indefinite" restart="never" nodeType="tmRoot"/>
       </p:par>
     </p:tnLst>
   </p:timing>
@@ -17279,7 +17289,7 @@
   <p:timing>
     <p:tnLst>
       <p:par>
-        <p:cTn id="1" dur="indefinite" restart="never" nodeType="tmRoot"/>
+        <p:cTn xmlns:p14="http://schemas.microsoft.com/office/powerpoint/2010/main" id="1" dur="indefinite" restart="never" nodeType="tmRoot"/>
       </p:par>
     </p:tnLst>
   </p:timing>
@@ -17410,7 +17420,7 @@
   <p:timing>
     <p:tnLst>
       <p:par>
-        <p:cTn id="1" dur="indefinite" restart="never" nodeType="tmRoot"/>
+        <p:cTn xmlns:p14="http://schemas.microsoft.com/office/powerpoint/2010/main" id="1" dur="indefinite" restart="never" nodeType="tmRoot"/>
       </p:par>
     </p:tnLst>
   </p:timing>
@@ -17826,7 +17836,7 @@
   <p:timing>
     <p:tnLst>
       <p:par>
-        <p:cTn id="1" dur="indefinite" restart="never" nodeType="tmRoot"/>
+        <p:cTn xmlns:p14="http://schemas.microsoft.com/office/powerpoint/2010/main" id="1" dur="indefinite" restart="never" nodeType="tmRoot"/>
       </p:par>
     </p:tnLst>
   </p:timing>
@@ -17957,7 +17967,7 @@
   <p:timing>
     <p:tnLst>
       <p:par>
-        <p:cTn id="1" dur="indefinite" restart="never" nodeType="tmRoot"/>
+        <p:cTn xmlns:p14="http://schemas.microsoft.com/office/powerpoint/2010/main" id="1" dur="indefinite" restart="never" nodeType="tmRoot"/>
       </p:par>
     </p:tnLst>
   </p:timing>
@@ -18054,7 +18064,7 @@
   <p:timing>
     <p:tnLst>
       <p:par>
-        <p:cTn id="1" dur="indefinite" restart="never" nodeType="tmRoot"/>
+        <p:cTn xmlns:p14="http://schemas.microsoft.com/office/powerpoint/2010/main" id="1" dur="indefinite" restart="never" nodeType="tmRoot"/>
       </p:par>
     </p:tnLst>
   </p:timing>
@@ -18166,7 +18176,7 @@
   <p:timing>
     <p:tnLst>
       <p:par>
-        <p:cTn id="1" dur="indefinite" restart="never" nodeType="tmRoot"/>
+        <p:cTn xmlns:p14="http://schemas.microsoft.com/office/powerpoint/2010/main" id="1" dur="indefinite" restart="never" nodeType="tmRoot"/>
       </p:par>
     </p:tnLst>
   </p:timing>
@@ -18278,7 +18288,7 @@
   <p:timing>
     <p:tnLst>
       <p:par>
-        <p:cTn id="1" dur="indefinite" restart="never" nodeType="tmRoot"/>
+        <p:cTn xmlns:p14="http://schemas.microsoft.com/office/powerpoint/2010/main" id="1" dur="indefinite" restart="never" nodeType="tmRoot"/>
       </p:par>
     </p:tnLst>
   </p:timing>
@@ -18389,7 +18399,7 @@
   <p:timing>
     <p:tnLst>
       <p:par>
-        <p:cTn id="1" dur="indefinite" restart="never" nodeType="tmRoot"/>
+        <p:cTn xmlns:p14="http://schemas.microsoft.com/office/powerpoint/2010/main" id="1" dur="indefinite" restart="never" nodeType="tmRoot"/>
       </p:par>
     </p:tnLst>
   </p:timing>
@@ -18502,7 +18512,7 @@
   <p:timing>
     <p:tnLst>
       <p:par>
-        <p:cTn id="1" dur="indefinite" restart="never" nodeType="tmRoot"/>
+        <p:cTn xmlns:p14="http://schemas.microsoft.com/office/powerpoint/2010/main" id="1" dur="indefinite" restart="never" nodeType="tmRoot"/>
       </p:par>
     </p:tnLst>
   </p:timing>
@@ -18599,7 +18609,7 @@
   <p:timing>
     <p:tnLst>
       <p:par>
-        <p:cTn id="1" dur="indefinite" restart="never" nodeType="tmRoot"/>
+        <p:cTn xmlns:p14="http://schemas.microsoft.com/office/powerpoint/2010/main" id="1" dur="indefinite" restart="never" nodeType="tmRoot"/>
       </p:par>
     </p:tnLst>
   </p:timing>
@@ -18702,7 +18712,7 @@
   <p:timing>
     <p:tnLst>
       <p:par>
-        <p:cTn id="1" dur="indefinite" restart="never" nodeType="tmRoot"/>
+        <p:cTn xmlns:p14="http://schemas.microsoft.com/office/powerpoint/2010/main" id="1" dur="indefinite" restart="never" nodeType="tmRoot"/>
       </p:par>
     </p:tnLst>
   </p:timing>
@@ -18918,7 +18928,7 @@
   <p:timing>
     <p:tnLst>
       <p:par>
-        <p:cTn id="1" dur="indefinite" restart="never" nodeType="tmRoot"/>
+        <p:cTn xmlns:p14="http://schemas.microsoft.com/office/powerpoint/2010/main" id="1" dur="indefinite" restart="never" nodeType="tmRoot"/>
       </p:par>
     </p:tnLst>
   </p:timing>
@@ -19047,7 +19057,7 @@
   <p:timing>
     <p:tnLst>
       <p:par>
-        <p:cTn id="1" dur="indefinite" restart="never" nodeType="tmRoot"/>
+        <p:cTn xmlns:p14="http://schemas.microsoft.com/office/powerpoint/2010/main" id="1" dur="indefinite" restart="never" nodeType="tmRoot"/>
       </p:par>
     </p:tnLst>
   </p:timing>
@@ -19150,7 +19160,7 @@
   <p:timing>
     <p:tnLst>
       <p:par>
-        <p:cTn id="1" dur="indefinite" restart="never" nodeType="tmRoot"/>
+        <p:cTn xmlns:p14="http://schemas.microsoft.com/office/powerpoint/2010/main" id="1" dur="indefinite" restart="never" nodeType="tmRoot"/>
       </p:par>
     </p:tnLst>
   </p:timing>
@@ -19762,7 +19772,7 @@
   <p:timing>
     <p:tnLst>
       <p:par>
-        <p:cTn id="1" dur="indefinite" restart="never" nodeType="tmRoot"/>
+        <p:cTn xmlns:p14="http://schemas.microsoft.com/office/powerpoint/2010/main" id="1" dur="indefinite" restart="never" nodeType="tmRoot"/>
       </p:par>
     </p:tnLst>
   </p:timing>
@@ -19873,7 +19883,7 @@
   <p:timing>
     <p:tnLst>
       <p:par>
-        <p:cTn id="1" dur="indefinite" restart="never" nodeType="tmRoot"/>
+        <p:cTn xmlns:p14="http://schemas.microsoft.com/office/powerpoint/2010/main" id="1" dur="indefinite" restart="never" nodeType="tmRoot"/>
       </p:par>
     </p:tnLst>
   </p:timing>
@@ -19973,7 +19983,7 @@
   <p:timing>
     <p:tnLst>
       <p:par>
-        <p:cTn id="1" dur="indefinite" restart="never" nodeType="tmRoot"/>
+        <p:cTn xmlns:p14="http://schemas.microsoft.com/office/powerpoint/2010/main" id="1" dur="indefinite" restart="never" nodeType="tmRoot"/>
       </p:par>
     </p:tnLst>
   </p:timing>
@@ -20064,7 +20074,7 @@
   <p:timing>
     <p:tnLst>
       <p:par>
-        <p:cTn id="1" dur="indefinite" restart="never" nodeType="tmRoot"/>
+        <p:cTn xmlns:p14="http://schemas.microsoft.com/office/powerpoint/2010/main" id="1" dur="indefinite" restart="never" nodeType="tmRoot"/>
       </p:par>
     </p:tnLst>
   </p:timing>
@@ -20159,7 +20169,7 @@
   <p:timing>
     <p:tnLst>
       <p:par>
-        <p:cTn id="1" dur="indefinite" restart="never" nodeType="tmRoot"/>
+        <p:cTn xmlns:p14="http://schemas.microsoft.com/office/powerpoint/2010/main" id="1" dur="indefinite" restart="never" nodeType="tmRoot"/>
       </p:par>
     </p:tnLst>
   </p:timing>
@@ -20351,7 +20361,7 @@
   <p:timing>
     <p:tnLst>
       <p:par>
-        <p:cTn id="1" dur="indefinite" restart="never" nodeType="tmRoot"/>
+        <p:cTn xmlns:p14="http://schemas.microsoft.com/office/powerpoint/2010/main" id="1" dur="indefinite" restart="never" nodeType="tmRoot"/>
       </p:par>
     </p:tnLst>
   </p:timing>
@@ -20488,7 +20498,7 @@
   <p:timing>
     <p:tnLst>
       <p:par>
-        <p:cTn id="1" dur="indefinite" restart="never" nodeType="tmRoot"/>
+        <p:cTn xmlns:p14="http://schemas.microsoft.com/office/powerpoint/2010/main" id="1" dur="indefinite" restart="never" nodeType="tmRoot"/>
       </p:par>
     </p:tnLst>
   </p:timing>
@@ -20604,7 +20614,7 @@
   <p:timing>
     <p:tnLst>
       <p:par>
-        <p:cTn id="1" dur="indefinite" restart="never" nodeType="tmRoot"/>
+        <p:cTn xmlns:p14="http://schemas.microsoft.com/office/powerpoint/2010/main" id="1" dur="indefinite" restart="never" nodeType="tmRoot"/>
       </p:par>
     </p:tnLst>
   </p:timing>
@@ -20950,7 +20960,7 @@
   <p:timing>
     <p:tnLst>
       <p:par>
-        <p:cTn id="1" dur="indefinite" restart="never" nodeType="tmRoot"/>
+        <p:cTn xmlns:p14="http://schemas.microsoft.com/office/powerpoint/2010/main" id="1" dur="indefinite" restart="never" nodeType="tmRoot"/>
       </p:par>
     </p:tnLst>
   </p:timing>
@@ -24684,14 +24694,14 @@
           </a:ln>
           <a:effectLst/>
           <a:extLst>
-            <a:ext uri="{909E8E84-426E-40DD-AFC4-6F175D3DCCD1}">
+            <a:ext uri="{909E8E84-426E-40dd-AFC4-6F175D3DCCD1}">
               <a14:hiddenFill xmlns:a14="http://schemas.microsoft.com/office/drawing/2010/main">
                 <a:solidFill>
                   <a:schemeClr val="accent1"/>
                 </a:solidFill>
               </a14:hiddenFill>
             </a:ext>
-            <a:ext uri="{91240B29-F687-4F45-9708-019B960494DF}">
+            <a:ext uri="{91240B29-F687-4f45-9708-019B960494DF}">
               <a14:hiddenLine xmlns:a14="http://schemas.microsoft.com/office/drawing/2010/main" w="9525">
                 <a:solidFill>
                   <a:schemeClr val="tx1"/>
@@ -24701,7 +24711,7 @@
                 <a:tailEnd/>
               </a14:hiddenLine>
             </a:ext>
-            <a:ext uri="{AF507438-7753-43E0-B8FC-AC1667EBCBE1}">
+            <a:ext uri="{AF507438-7753-43e0-B8FC-AC1667EBCBE1}">
               <a14:hiddenEffects xmlns:a14="http://schemas.microsoft.com/office/drawing/2010/main">
                 <a:effectLst>
                   <a:outerShdw dist="35921" dir="2700000" algn="ctr" rotWithShape="0">
@@ -24839,7 +24849,7 @@
   <p:timing>
     <p:tnLst>
       <p:par>
-        <p:cTn id="1" dur="indefinite" restart="never" nodeType="tmRoot"/>
+        <p:cTn xmlns:p14="http://schemas.microsoft.com/office/powerpoint/2010/main" id="1" dur="indefinite" restart="never" nodeType="tmRoot"/>
       </p:par>
     </p:tnLst>
   </p:timing>
@@ -24918,7 +24928,7 @@
   <p:timing>
     <p:tnLst>
       <p:par>
-        <p:cTn id="1" dur="indefinite" restart="never" nodeType="tmRoot"/>
+        <p:cTn xmlns:p14="http://schemas.microsoft.com/office/powerpoint/2010/main" id="1" dur="indefinite" restart="never" nodeType="tmRoot"/>
       </p:par>
     </p:tnLst>
   </p:timing>
@@ -25115,7 +25125,7 @@
   <p:timing>
     <p:tnLst>
       <p:par>
-        <p:cTn id="1" dur="indefinite" restart="never" nodeType="tmRoot"/>
+        <p:cTn xmlns:p14="http://schemas.microsoft.com/office/powerpoint/2010/main" id="1" dur="indefinite" restart="never" nodeType="tmRoot"/>
       </p:par>
     </p:tnLst>
   </p:timing>
@@ -25220,7 +25230,7 @@
   <p:timing>
     <p:tnLst>
       <p:par>
-        <p:cTn id="1" dur="indefinite" restart="never" nodeType="tmRoot"/>
+        <p:cTn xmlns:p14="http://schemas.microsoft.com/office/powerpoint/2010/main" id="1" dur="indefinite" restart="never" nodeType="tmRoot"/>
       </p:par>
     </p:tnLst>
   </p:timing>
@@ -25331,7 +25341,7 @@
   <p:timing>
     <p:tnLst>
       <p:par>
-        <p:cTn id="1" dur="indefinite" restart="never" nodeType="tmRoot"/>
+        <p:cTn xmlns:p14="http://schemas.microsoft.com/office/powerpoint/2010/main" id="1" dur="indefinite" restart="never" nodeType="tmRoot"/>
       </p:par>
     </p:tnLst>
   </p:timing>
@@ -25461,7 +25471,7 @@
   <p:timing>
     <p:tnLst>
       <p:par>
-        <p:cTn id="1" dur="indefinite" restart="never" nodeType="tmRoot"/>
+        <p:cTn xmlns:p14="http://schemas.microsoft.com/office/powerpoint/2010/main" id="1" dur="indefinite" restart="never" nodeType="tmRoot"/>
       </p:par>
     </p:tnLst>
   </p:timing>
@@ -25637,7 +25647,7 @@
   <p:timing>
     <p:tnLst>
       <p:par>
-        <p:cTn id="1" dur="indefinite" restart="never" nodeType="tmRoot"/>
+        <p:cTn xmlns:p14="http://schemas.microsoft.com/office/powerpoint/2010/main" id="1" dur="indefinite" restart="never" nodeType="tmRoot"/>
       </p:par>
     </p:tnLst>
   </p:timing>
@@ -25751,7 +25761,7 @@
   <p:timing>
     <p:tnLst>
       <p:par>
-        <p:cTn id="1" dur="indefinite" restart="never" nodeType="tmRoot"/>
+        <p:cTn xmlns:p14="http://schemas.microsoft.com/office/powerpoint/2010/main" id="1" dur="indefinite" restart="never" nodeType="tmRoot"/>
       </p:par>
     </p:tnLst>
   </p:timing>
@@ -25865,7 +25875,7 @@
   <p:timing>
     <p:tnLst>
       <p:par>
-        <p:cTn id="1" dur="indefinite" restart="never" nodeType="tmRoot"/>
+        <p:cTn xmlns:p14="http://schemas.microsoft.com/office/powerpoint/2010/main" id="1" dur="indefinite" restart="never" nodeType="tmRoot"/>
       </p:par>
     </p:tnLst>
   </p:timing>
@@ -26001,7 +26011,7 @@
   <p:timing>
     <p:tnLst>
       <p:par>
-        <p:cTn id="1" dur="indefinite" restart="never" nodeType="tmRoot"/>
+        <p:cTn xmlns:p14="http://schemas.microsoft.com/office/powerpoint/2010/main" id="1" dur="indefinite" restart="never" nodeType="tmRoot"/>
       </p:par>
     </p:tnLst>
   </p:timing>
@@ -26325,7 +26335,7 @@
   <p:timing>
     <p:tnLst>
       <p:par>
-        <p:cTn id="1" dur="indefinite" restart="never" nodeType="tmRoot"/>
+        <p:cTn xmlns:p14="http://schemas.microsoft.com/office/powerpoint/2010/main" id="1" dur="indefinite" restart="never" nodeType="tmRoot"/>
       </p:par>
     </p:tnLst>
   </p:timing>
@@ -26505,7 +26515,7 @@
   <p:timing>
     <p:tnLst>
       <p:par>
-        <p:cTn id="1" dur="indefinite" restart="never" nodeType="tmRoot"/>
+        <p:cTn xmlns:p14="http://schemas.microsoft.com/office/powerpoint/2010/main" id="1" dur="indefinite" restart="never" nodeType="tmRoot"/>
       </p:par>
     </p:tnLst>
   </p:timing>
@@ -26610,7 +26620,7 @@
           </a:prstGeom>
           <a:noFill/>
           <a:extLst>
-            <a:ext uri="{909E8E84-426E-40DD-AFC4-6F175D3DCCD1}">
+            <a:ext uri="{909E8E84-426E-40dd-AFC4-6F175D3DCCD1}">
               <a14:hiddenFill xmlns:a14="http://schemas.microsoft.com/office/drawing/2010/main">
                 <a:solidFill>
                   <a:srgbClr val="FFFFFF"/>
@@ -26633,7 +26643,7 @@
   <p:timing>
     <p:tnLst>
       <p:par>
-        <p:cTn id="1" dur="indefinite" restart="never" nodeType="tmRoot"/>
+        <p:cTn xmlns:p14="http://schemas.microsoft.com/office/powerpoint/2010/main" id="1" dur="indefinite" restart="never" nodeType="tmRoot"/>
       </p:par>
     </p:tnLst>
   </p:timing>
@@ -26802,7 +26812,7 @@
   <p:timing>
     <p:tnLst>
       <p:par>
-        <p:cTn id="1" dur="indefinite" restart="never" nodeType="tmRoot"/>
+        <p:cTn xmlns:p14="http://schemas.microsoft.com/office/powerpoint/2010/main" id="1" dur="indefinite" restart="never" nodeType="tmRoot"/>
       </p:par>
     </p:tnLst>
   </p:timing>
@@ -26889,14 +26899,14 @@
           </a:ln>
           <a:effectLst/>
           <a:extLst>
-            <a:ext uri="{909E8E84-426E-40DD-AFC4-6F175D3DCCD1}">
+            <a:ext uri="{909E8E84-426E-40dd-AFC4-6F175D3DCCD1}">
               <a14:hiddenFill xmlns:a14="http://schemas.microsoft.com/office/drawing/2010/main">
                 <a:solidFill>
                   <a:schemeClr val="accent1"/>
                 </a:solidFill>
               </a14:hiddenFill>
             </a:ext>
-            <a:ext uri="{91240B29-F687-4F45-9708-019B960494DF}">
+            <a:ext uri="{91240B29-F687-4f45-9708-019B960494DF}">
               <a14:hiddenLine xmlns:a14="http://schemas.microsoft.com/office/drawing/2010/main" w="9525">
                 <a:solidFill>
                   <a:schemeClr val="tx1"/>
@@ -26906,7 +26916,7 @@
                 <a:tailEnd/>
               </a14:hiddenLine>
             </a:ext>
-            <a:ext uri="{AF507438-7753-43E0-B8FC-AC1667EBCBE1}">
+            <a:ext uri="{AF507438-7753-43e0-B8FC-AC1667EBCBE1}">
               <a14:hiddenEffects xmlns:a14="http://schemas.microsoft.com/office/drawing/2010/main">
                 <a:effectLst>
                   <a:outerShdw dist="35921" dir="2700000" algn="ctr" rotWithShape="0">
@@ -26931,7 +26941,7 @@
   <p:timing>
     <p:tnLst>
       <p:par>
-        <p:cTn id="1" dur="indefinite" restart="never" nodeType="tmRoot"/>
+        <p:cTn xmlns:p14="http://schemas.microsoft.com/office/powerpoint/2010/main" id="1" dur="indefinite" restart="never" nodeType="tmRoot"/>
       </p:par>
     </p:tnLst>
   </p:timing>
@@ -27147,7 +27157,7 @@
   <p:timing>
     <p:tnLst>
       <p:par>
-        <p:cTn id="1" dur="indefinite" restart="never" nodeType="tmRoot"/>
+        <p:cTn xmlns:p14="http://schemas.microsoft.com/office/powerpoint/2010/main" id="1" dur="indefinite" restart="never" nodeType="tmRoot"/>
       </p:par>
     </p:tnLst>
   </p:timing>
@@ -27296,7 +27306,7 @@
   <p:timing>
     <p:tnLst>
       <p:par>
-        <p:cTn id="1" dur="indefinite" restart="never" nodeType="tmRoot"/>
+        <p:cTn xmlns:p14="http://schemas.microsoft.com/office/powerpoint/2010/main" id="1" dur="indefinite" restart="never" nodeType="tmRoot"/>
       </p:par>
     </p:tnLst>
   </p:timing>
@@ -27409,7 +27419,7 @@
   <p:timing>
     <p:tnLst>
       <p:par>
-        <p:cTn id="1" dur="indefinite" restart="never" nodeType="tmRoot"/>
+        <p:cTn xmlns:p14="http://schemas.microsoft.com/office/powerpoint/2010/main" id="1" dur="indefinite" restart="never" nodeType="tmRoot"/>
       </p:par>
     </p:tnLst>
   </p:timing>
@@ -27534,7 +27544,7 @@
   <p:timing>
     <p:tnLst>
       <p:par>
-        <p:cTn id="1" dur="indefinite" restart="never" nodeType="tmRoot"/>
+        <p:cTn xmlns:p14="http://schemas.microsoft.com/office/powerpoint/2010/main" id="1" dur="indefinite" restart="never" nodeType="tmRoot"/>
       </p:par>
     </p:tnLst>
   </p:timing>
@@ -27631,7 +27641,7 @@
   <p:timing>
     <p:tnLst>
       <p:par>
-        <p:cTn id="1" dur="indefinite" restart="never" nodeType="tmRoot"/>
+        <p:cTn xmlns:p14="http://schemas.microsoft.com/office/powerpoint/2010/main" id="1" dur="indefinite" restart="never" nodeType="tmRoot"/>
       </p:par>
     </p:tnLst>
   </p:timing>
@@ -27725,7 +27735,7 @@
   <p:timing>
     <p:tnLst>
       <p:par>
-        <p:cTn id="1" dur="indefinite" restart="never" nodeType="tmRoot"/>
+        <p:cTn xmlns:p14="http://schemas.microsoft.com/office/powerpoint/2010/main" id="1" dur="indefinite" restart="never" nodeType="tmRoot"/>
       </p:par>
     </p:tnLst>
   </p:timing>
@@ -27833,7 +27843,7 @@
   <p:timing>
     <p:tnLst>
       <p:par>
-        <p:cTn id="1" dur="indefinite" restart="never" nodeType="tmRoot"/>
+        <p:cTn xmlns:p14="http://schemas.microsoft.com/office/powerpoint/2010/main" id="1" dur="indefinite" restart="never" nodeType="tmRoot"/>
       </p:par>
     </p:tnLst>
   </p:timing>
@@ -27966,7 +27976,7 @@
   <p:timing>
     <p:tnLst>
       <p:par>
-        <p:cTn id="1" dur="indefinite" restart="never" nodeType="tmRoot"/>
+        <p:cTn xmlns:p14="http://schemas.microsoft.com/office/powerpoint/2010/main" id="1" dur="indefinite" restart="never" nodeType="tmRoot"/>
       </p:par>
     </p:tnLst>
   </p:timing>
@@ -28083,7 +28093,7 @@
   <p:timing>
     <p:tnLst>
       <p:par>
-        <p:cTn id="1" dur="indefinite" restart="never" nodeType="tmRoot"/>
+        <p:cTn xmlns:p14="http://schemas.microsoft.com/office/powerpoint/2010/main" id="1" dur="indefinite" restart="never" nodeType="tmRoot"/>
       </p:par>
     </p:tnLst>
   </p:timing>
@@ -28168,7 +28178,7 @@
   <p:timing>
     <p:tnLst>
       <p:par>
-        <p:cTn id="1" dur="indefinite" restart="never" nodeType="tmRoot"/>
+        <p:cTn xmlns:p14="http://schemas.microsoft.com/office/powerpoint/2010/main" id="1" dur="indefinite" restart="never" nodeType="tmRoot"/>
       </p:par>
     </p:tnLst>
   </p:timing>
@@ -28259,7 +28269,7 @@
   <p:timing>
     <p:tnLst>
       <p:par>
-        <p:cTn id="1" dur="indefinite" restart="never" nodeType="tmRoot"/>
+        <p:cTn xmlns:p14="http://schemas.microsoft.com/office/powerpoint/2010/main" id="1" dur="indefinite" restart="never" nodeType="tmRoot"/>
       </p:par>
     </p:tnLst>
   </p:timing>
@@ -28362,7 +28372,7 @@
   <p:timing>
     <p:tnLst>
       <p:par>
-        <p:cTn id="1" dur="indefinite" restart="never" nodeType="tmRoot"/>
+        <p:cTn xmlns:p14="http://schemas.microsoft.com/office/powerpoint/2010/main" id="1" dur="indefinite" restart="never" nodeType="tmRoot"/>
       </p:par>
     </p:tnLst>
   </p:timing>
@@ -28499,7 +28509,7 @@
   <p:timing>
     <p:tnLst>
       <p:par>
-        <p:cTn id="1" dur="indefinite" restart="never" nodeType="tmRoot"/>
+        <p:cTn xmlns:p14="http://schemas.microsoft.com/office/powerpoint/2010/main" id="1" dur="indefinite" restart="never" nodeType="tmRoot"/>
       </p:par>
     </p:tnLst>
   </p:timing>
@@ -28602,7 +28612,7 @@
   <p:timing>
     <p:tnLst>
       <p:par>
-        <p:cTn id="1" dur="indefinite" restart="never" nodeType="tmRoot"/>
+        <p:cTn xmlns:p14="http://schemas.microsoft.com/office/powerpoint/2010/main" id="1" dur="indefinite" restart="never" nodeType="tmRoot"/>
       </p:par>
     </p:tnLst>
   </p:timing>
@@ -28705,7 +28715,7 @@
   <p:timing>
     <p:tnLst>
       <p:par>
-        <p:cTn id="1" dur="indefinite" restart="never" nodeType="tmRoot"/>
+        <p:cTn xmlns:p14="http://schemas.microsoft.com/office/powerpoint/2010/main" id="1" dur="indefinite" restart="never" nodeType="tmRoot"/>
       </p:par>
     </p:tnLst>
   </p:timing>
@@ -28814,7 +28824,7 @@
   <p:timing>
     <p:tnLst>
       <p:par>
-        <p:cTn id="1" dur="indefinite" restart="never" nodeType="tmRoot"/>
+        <p:cTn xmlns:p14="http://schemas.microsoft.com/office/powerpoint/2010/main" id="1" dur="indefinite" restart="never" nodeType="tmRoot"/>
       </p:par>
     </p:tnLst>
   </p:timing>
@@ -28917,7 +28927,7 @@
   <p:timing>
     <p:tnLst>
       <p:par>
-        <p:cTn id="1" dur="indefinite" restart="never" nodeType="tmRoot"/>
+        <p:cTn xmlns:p14="http://schemas.microsoft.com/office/powerpoint/2010/main" id="1" dur="indefinite" restart="never" nodeType="tmRoot"/>
       </p:par>
     </p:tnLst>
   </p:timing>
@@ -29065,7 +29075,7 @@
   <p:timing>
     <p:tnLst>
       <p:par>
-        <p:cTn id="1" dur="indefinite" restart="never" nodeType="tmRoot"/>
+        <p:cTn xmlns:p14="http://schemas.microsoft.com/office/powerpoint/2010/main" id="1" dur="indefinite" restart="never" nodeType="tmRoot"/>
       </p:par>
     </p:tnLst>
   </p:timing>
@@ -29129,7 +29139,7 @@
         <p:spPr/>
         <p:txBody>
           <a:bodyPr>
-            <a:normAutofit lnSpcReduction="10000"/>
+            <a:normAutofit fontScale="92500"/>
           </a:bodyPr>
           <a:lstStyle/>
           <a:p>
@@ -29237,7 +29247,7 @@
   <p:timing>
     <p:tnLst>
       <p:par>
-        <p:cTn id="1" dur="indefinite" restart="never" nodeType="tmRoot"/>
+        <p:cTn xmlns:p14="http://schemas.microsoft.com/office/powerpoint/2010/main" id="1" dur="indefinite" restart="never" nodeType="tmRoot"/>
       </p:par>
     </p:tnLst>
   </p:timing>
@@ -29372,7 +29382,7 @@
   <p:timing>
     <p:tnLst>
       <p:par>
-        <p:cTn id="1" dur="indefinite" restart="never" nodeType="tmRoot"/>
+        <p:cTn xmlns:p14="http://schemas.microsoft.com/office/powerpoint/2010/main" id="1" dur="indefinite" restart="never" nodeType="tmRoot"/>
       </p:par>
     </p:tnLst>
   </p:timing>
@@ -29463,7 +29473,7 @@
   <p:timing>
     <p:tnLst>
       <p:par>
-        <p:cTn id="1" dur="indefinite" restart="never" nodeType="tmRoot"/>
+        <p:cTn xmlns:p14="http://schemas.microsoft.com/office/powerpoint/2010/main" id="1" dur="indefinite" restart="never" nodeType="tmRoot"/>
       </p:par>
     </p:tnLst>
   </p:timing>
@@ -29556,7 +29566,7 @@
   <p:timing>
     <p:tnLst>
       <p:par>
-        <p:cTn id="1" dur="indefinite" restart="never" nodeType="tmRoot"/>
+        <p:cTn xmlns:p14="http://schemas.microsoft.com/office/powerpoint/2010/main" id="1" dur="indefinite" restart="never" nodeType="tmRoot"/>
       </p:par>
     </p:tnLst>
   </p:timing>
@@ -29641,7 +29651,7 @@
   <p:timing>
     <p:tnLst>
       <p:par>
-        <p:cTn id="1" dur="indefinite" restart="never" nodeType="tmRoot"/>
+        <p:cTn xmlns:p14="http://schemas.microsoft.com/office/powerpoint/2010/main" id="1" dur="indefinite" restart="never" nodeType="tmRoot"/>
       </p:par>
     </p:tnLst>
   </p:timing>
@@ -29784,7 +29794,7 @@
   <p:timing>
     <p:tnLst>
       <p:par>
-        <p:cTn id="1" dur="indefinite" restart="never" nodeType="tmRoot"/>
+        <p:cTn xmlns:p14="http://schemas.microsoft.com/office/powerpoint/2010/main" id="1" dur="indefinite" restart="never" nodeType="tmRoot"/>
       </p:par>
     </p:tnLst>
   </p:timing>
@@ -29883,7 +29893,7 @@
           </a:prstGeom>
           <a:noFill/>
           <a:extLst>
-            <a:ext uri="{909E8E84-426E-40DD-AFC4-6F175D3DCCD1}">
+            <a:ext uri="{909E8E84-426E-40dd-AFC4-6F175D3DCCD1}">
               <a14:hiddenFill xmlns:a14="http://schemas.microsoft.com/office/drawing/2010/main">
                 <a:solidFill>
                   <a:srgbClr val="FFFFFF"/>
@@ -29906,7 +29916,7 @@
   <p:timing>
     <p:tnLst>
       <p:par>
-        <p:cTn id="1" dur="indefinite" restart="never" nodeType="tmRoot"/>
+        <p:cTn xmlns:p14="http://schemas.microsoft.com/office/powerpoint/2010/main" id="1" dur="indefinite" restart="never" nodeType="tmRoot"/>
       </p:par>
     </p:tnLst>
   </p:timing>
@@ -30108,7 +30118,7 @@
   <p:timing>
     <p:tnLst>
       <p:par>
-        <p:cTn id="1" dur="indefinite" restart="never" nodeType="tmRoot"/>
+        <p:cTn xmlns:p14="http://schemas.microsoft.com/office/powerpoint/2010/main" id="1" dur="indefinite" restart="never" nodeType="tmRoot"/>
       </p:par>
     </p:tnLst>
   </p:timing>
@@ -30399,7 +30409,7 @@
   <p:timing>
     <p:tnLst>
       <p:par>
-        <p:cTn id="1" dur="indefinite" restart="never" nodeType="tmRoot"/>
+        <p:cTn xmlns:p14="http://schemas.microsoft.com/office/powerpoint/2010/main" id="1" dur="indefinite" restart="never" nodeType="tmRoot"/>
       </p:par>
     </p:tnLst>
   </p:timing>
@@ -30552,7 +30562,7 @@
   <p:timing>
     <p:tnLst>
       <p:par>
-        <p:cTn id="1" dur="indefinite" restart="never" nodeType="tmRoot"/>
+        <p:cTn xmlns:p14="http://schemas.microsoft.com/office/powerpoint/2010/main" id="1" dur="indefinite" restart="never" nodeType="tmRoot"/>
       </p:par>
     </p:tnLst>
   </p:timing>
@@ -30668,7 +30678,7 @@
   <p:timing>
     <p:tnLst>
       <p:par>
-        <p:cTn id="1" dur="indefinite" restart="never" nodeType="tmRoot"/>
+        <p:cTn xmlns:p14="http://schemas.microsoft.com/office/powerpoint/2010/main" id="1" dur="indefinite" restart="never" nodeType="tmRoot"/>
       </p:par>
     </p:tnLst>
   </p:timing>
